--- a/Module 3 - univariate time series/Module 03 -- univariate time series.pptx
+++ b/Module 3 - univariate time series/Module 03 -- univariate time series.pptx
@@ -210,7 +210,7 @@
           <a:p>
             <a:fld id="{E871FE31-3812-3944-9707-6ECC70AFADCA}" type="datetimeFigureOut">
               <a:rPr lang="en-US" smtClean="0"/>
-              <a:t>5/1/2017</a:t>
+              <a:t>9/27/2017</a:t>
             </a:fld>
             <a:endParaRPr lang="en-US"/>
           </a:p>
@@ -478,6 +478,90 @@
 </p:notesMaster>
 </file>
 
+<file path=ppt/notesSlides/notesSlide1.xml><?xml version="1.0" encoding="utf-8"?>
+<p:notes xmlns:a="http://schemas.openxmlformats.org/drawingml/2006/main" xmlns:r="http://schemas.openxmlformats.org/officeDocument/2006/relationships" xmlns:p="http://schemas.openxmlformats.org/presentationml/2006/main">
+  <p:cSld>
+    <p:spTree>
+      <p:nvGrpSpPr>
+        <p:cNvPr id="1" name=""/>
+        <p:cNvGrpSpPr/>
+        <p:nvPr/>
+      </p:nvGrpSpPr>
+      <p:grpSpPr>
+        <a:xfrm>
+          <a:off x="0" y="0"/>
+          <a:ext cx="0" cy="0"/>
+          <a:chOff x="0" y="0"/>
+          <a:chExt cx="0" cy="0"/>
+        </a:xfrm>
+      </p:grpSpPr>
+      <p:sp>
+        <p:nvSpPr>
+          <p:cNvPr id="2" name="Slide Image Placeholder 1"/>
+          <p:cNvSpPr>
+            <a:spLocks noGrp="1" noRot="1" noChangeAspect="1"/>
+          </p:cNvSpPr>
+          <p:nvPr>
+            <p:ph type="sldImg"/>
+          </p:nvPr>
+        </p:nvSpPr>
+        <p:spPr/>
+      </p:sp>
+      <p:sp>
+        <p:nvSpPr>
+          <p:cNvPr id="3" name="Notes Placeholder 2"/>
+          <p:cNvSpPr>
+            <a:spLocks noGrp="1"/>
+          </p:cNvSpPr>
+          <p:nvPr>
+            <p:ph type="body" idx="1"/>
+          </p:nvPr>
+        </p:nvSpPr>
+        <p:spPr/>
+        <p:txBody>
+          <a:bodyPr/>
+          <a:lstStyle/>
+          <a:p>
+            <a:endParaRPr lang="en-US" dirty="0"/>
+          </a:p>
+        </p:txBody>
+      </p:sp>
+      <p:sp>
+        <p:nvSpPr>
+          <p:cNvPr id="4" name="Slide Number Placeholder 3"/>
+          <p:cNvSpPr>
+            <a:spLocks noGrp="1"/>
+          </p:cNvSpPr>
+          <p:nvPr>
+            <p:ph type="sldNum" sz="quarter" idx="10"/>
+          </p:nvPr>
+        </p:nvSpPr>
+        <p:spPr/>
+        <p:txBody>
+          <a:bodyPr/>
+          <a:lstStyle/>
+          <a:p>
+            <a:fld id="{FD422BC7-4D1F-CD41-902C-26B1CD8F6694}" type="slidenum">
+              <a:rPr lang="en-US" smtClean="0"/>
+              <a:t>12</a:t>
+            </a:fld>
+            <a:endParaRPr lang="en-US"/>
+          </a:p>
+        </p:txBody>
+      </p:sp>
+    </p:spTree>
+    <p:extLst>
+      <p:ext uri="{BB962C8B-B14F-4D97-AF65-F5344CB8AC3E}">
+        <p14:creationId xmlns:p14="http://schemas.microsoft.com/office/powerpoint/2010/main" val="1361137000"/>
+      </p:ext>
+    </p:extLst>
+  </p:cSld>
+  <p:clrMapOvr>
+    <a:masterClrMapping/>
+  </p:clrMapOvr>
+</p:notes>
+</file>
+
 <file path=ppt/slideLayouts/slideLayout1.xml><?xml version="1.0" encoding="utf-8"?>
 <p:sldLayout xmlns:a="http://schemas.openxmlformats.org/drawingml/2006/main" xmlns:r="http://schemas.openxmlformats.org/officeDocument/2006/relationships" xmlns:p="http://schemas.openxmlformats.org/presentationml/2006/main" type="title" preserve="1">
   <p:cSld name="Title Slide">
@@ -609,7 +693,7 @@
           <a:p>
             <a:fld id="{A9EA956E-58B2-47EE-80C9-F8F2A5E919B3}" type="datetime1">
               <a:rPr lang="en-US" smtClean="0"/>
-              <a:t>5/1/2017</a:t>
+              <a:t>9/27/2017</a:t>
             </a:fld>
             <a:endParaRPr lang="en-US"/>
           </a:p>
@@ -783,7 +867,7 @@
           <a:p>
             <a:fld id="{89015DEF-2CF6-4E67-97F4-F3E01048FF27}" type="datetime1">
               <a:rPr lang="en-US" smtClean="0"/>
-              <a:t>5/1/2017</a:t>
+              <a:t>9/27/2017</a:t>
             </a:fld>
             <a:endParaRPr lang="en-US"/>
           </a:p>
@@ -967,7 +1051,7 @@
           <a:p>
             <a:fld id="{DBA0FCA1-825C-4633-843D-E82316D2683A}" type="datetime1">
               <a:rPr lang="en-US" smtClean="0"/>
-              <a:t>5/1/2017</a:t>
+              <a:t>9/27/2017</a:t>
             </a:fld>
             <a:endParaRPr lang="en-US"/>
           </a:p>
@@ -1141,7 +1225,7 @@
           <a:p>
             <a:fld id="{5EF24829-E45A-4179-8818-41A813C88E9D}" type="datetime1">
               <a:rPr lang="en-US" smtClean="0"/>
-              <a:t>5/1/2017</a:t>
+              <a:t>9/27/2017</a:t>
             </a:fld>
             <a:endParaRPr lang="en-US"/>
           </a:p>
@@ -1391,7 +1475,7 @@
           <a:p>
             <a:fld id="{6758318D-B171-40CD-A629-9894A8FB8E5D}" type="datetime1">
               <a:rPr lang="en-US" smtClean="0"/>
-              <a:t>5/1/2017</a:t>
+              <a:t>9/27/2017</a:t>
             </a:fld>
             <a:endParaRPr lang="en-US"/>
           </a:p>
@@ -1627,7 +1711,7 @@
           <a:p>
             <a:fld id="{AC1653F6-BE61-4033-9FDE-3E8D3DD8934E}" type="datetime1">
               <a:rPr lang="en-US" smtClean="0"/>
-              <a:t>5/1/2017</a:t>
+              <a:t>9/27/2017</a:t>
             </a:fld>
             <a:endParaRPr lang="en-US"/>
           </a:p>
@@ -1998,7 +2082,7 @@
           <a:p>
             <a:fld id="{95DBFD65-C2AC-4AA4-BF22-6D52E39159D8}" type="datetime1">
               <a:rPr lang="en-US" smtClean="0"/>
-              <a:t>5/1/2017</a:t>
+              <a:t>9/27/2017</a:t>
             </a:fld>
             <a:endParaRPr lang="en-US"/>
           </a:p>
@@ -2120,7 +2204,7 @@
           <a:p>
             <a:fld id="{59B46AA1-E64F-4B63-94B0-9F6FA2BBFC07}" type="datetime1">
               <a:rPr lang="en-US" smtClean="0"/>
-              <a:t>5/1/2017</a:t>
+              <a:t>9/27/2017</a:t>
             </a:fld>
             <a:endParaRPr lang="en-US"/>
           </a:p>
@@ -2219,7 +2303,7 @@
           <a:p>
             <a:fld id="{1ED00230-2B0A-4D9B-B6C0-5ABAF273E56A}" type="datetime1">
               <a:rPr lang="en-US" smtClean="0"/>
-              <a:t>5/1/2017</a:t>
+              <a:t>9/27/2017</a:t>
             </a:fld>
             <a:endParaRPr lang="en-US"/>
           </a:p>
@@ -2500,7 +2584,7 @@
           <a:p>
             <a:fld id="{DB5C1FAD-1FDA-4F91-BE03-528ECA61A12B}" type="datetime1">
               <a:rPr lang="en-US" smtClean="0"/>
-              <a:t>5/1/2017</a:t>
+              <a:t>9/27/2017</a:t>
             </a:fld>
             <a:endParaRPr lang="en-US"/>
           </a:p>
@@ -2757,7 +2841,7 @@
           <a:p>
             <a:fld id="{260B11FF-CCFB-4010-B996-ABEF580F551F}" type="datetime1">
               <a:rPr lang="en-US" smtClean="0"/>
-              <a:t>5/1/2017</a:t>
+              <a:t>9/27/2017</a:t>
             </a:fld>
             <a:endParaRPr lang="en-US"/>
           </a:p>
@@ -2974,7 +3058,7 @@
           <a:p>
             <a:fld id="{B06851D9-AC64-44BC-B3C9-E7E0DC674C86}" type="datetime1">
               <a:rPr lang="en-US" smtClean="0"/>
-              <a:t>5/1/2017</a:t>
+              <a:t>9/27/2017</a:t>
             </a:fld>
             <a:endParaRPr lang="en-US"/>
           </a:p>
@@ -3420,11 +3504,7 @@
             </a:br>
             <a:r>
               <a:rPr lang="en-US" sz="2000" b="1" dirty="0" smtClean="0"/>
-              <a:t>module </a:t>
-            </a:r>
-            <a:r>
-              <a:rPr lang="en-US" sz="2000" b="1" dirty="0" smtClean="0"/>
-              <a:t>3</a:t>
+              <a:t>module 3</a:t>
             </a:r>
             <a:endParaRPr lang="en-US" b="1" dirty="0"/>
           </a:p>
@@ -3690,9 +3770,32 @@
           </a:prstGeom>
         </p:spPr>
       </p:pic>
+      <p:sp>
+        <p:nvSpPr>
+          <p:cNvPr id="3" name="Footer Placeholder 2"/>
+          <p:cNvSpPr>
+            <a:spLocks noGrp="1"/>
+          </p:cNvSpPr>
+          <p:nvPr>
+            <p:ph type="ftr" sz="quarter" idx="11"/>
+          </p:nvPr>
+        </p:nvSpPr>
+        <p:spPr/>
+        <p:txBody>
+          <a:bodyPr/>
+          <a:lstStyle/>
+          <a:p>
+            <a:r>
+              <a:rPr lang="en-US" smtClean="0"/>
+              <a:t>Michele Samorani - Data Science Analysis with Python</a:t>
+            </a:r>
+            <a:endParaRPr lang="en-US"/>
+          </a:p>
+        </p:txBody>
+      </p:sp>
       <p:pic>
         <p:nvPicPr>
-          <p:cNvPr id="5" name="Picture 4"/>
+          <p:cNvPr id="6" name="Picture 5"/>
           <p:cNvPicPr>
             <a:picLocks noChangeAspect="1"/>
           </p:cNvPicPr>
@@ -3706,37 +3809,14 @@
         </p:blipFill>
         <p:spPr>
           <a:xfrm>
-            <a:off x="2850356" y="2106776"/>
-            <a:ext cx="6491287" cy="4281323"/>
+            <a:off x="2420504" y="2114552"/>
+            <a:ext cx="6437598" cy="4152841"/>
           </a:xfrm>
           <a:prstGeom prst="rect">
             <a:avLst/>
           </a:prstGeom>
         </p:spPr>
       </p:pic>
-      <p:sp>
-        <p:nvSpPr>
-          <p:cNvPr id="3" name="Footer Placeholder 2"/>
-          <p:cNvSpPr>
-            <a:spLocks noGrp="1"/>
-          </p:cNvSpPr>
-          <p:nvPr>
-            <p:ph type="ftr" sz="quarter" idx="11"/>
-          </p:nvPr>
-        </p:nvSpPr>
-        <p:spPr/>
-        <p:txBody>
-          <a:bodyPr/>
-          <a:lstStyle/>
-          <a:p>
-            <a:r>
-              <a:rPr lang="en-US" smtClean="0"/>
-              <a:t>Michele Samorani - Data Science Analysis with Python</a:t>
-            </a:r>
-            <a:endParaRPr lang="en-US"/>
-          </a:p>
-        </p:txBody>
-      </p:sp>
     </p:spTree>
     <p:extLst>
       <p:ext uri="{BB962C8B-B14F-4D97-AF65-F5344CB8AC3E}">
@@ -3830,7 +3910,15 @@
             </a:r>
             <a:r>
               <a:rPr lang="en-US" dirty="0"/>
-              <a:t> has one try for each ending day of each month and a value that is the 3-month moving average; the series </a:t>
+              <a:t> has one try for each ending day of each month and a value that is the 3-month moving </a:t>
+            </a:r>
+            <a:r>
+              <a:rPr lang="en-US" dirty="0" smtClean="0"/>
+              <a:t>median; </a:t>
+            </a:r>
+            <a:r>
+              <a:rPr lang="en-US" dirty="0"/>
+              <a:t>the series </a:t>
             </a:r>
             <a:r>
               <a:rPr lang="en-US" i="1" dirty="0"/>
@@ -3884,7 +3972,15 @@
             </a:pPr>
             <a:r>
               <a:rPr lang="en-US" dirty="0"/>
-              <a:t>Compute the 3-month moving average of </a:t>
+              <a:t>Compute the 3-month moving </a:t>
+            </a:r>
+            <a:r>
+              <a:rPr lang="en-US" dirty="0" smtClean="0"/>
+              <a:t>median of</a:t>
+            </a:r>
+            <a:r>
+              <a:rPr lang="en-US" dirty="0"/>
+              <a:t> </a:t>
             </a:r>
             <a:r>
               <a:rPr lang="en-US" i="1" dirty="0"/>
@@ -4009,66 +4105,6 @@
           </a:p>
         </p:txBody>
       </p:sp>
-      <p:pic>
-        <p:nvPicPr>
-          <p:cNvPr id="7" name="Content Placeholder 6"/>
-          <p:cNvPicPr>
-            <a:picLocks noGrp="1" noChangeAspect="1"/>
-          </p:cNvPicPr>
-          <p:nvPr>
-            <p:ph idx="1"/>
-          </p:nvPr>
-        </p:nvPicPr>
-        <p:blipFill>
-          <a:blip r:embed="rId2"/>
-          <a:stretch>
-            <a:fillRect/>
-          </a:stretch>
-        </p:blipFill>
-        <p:spPr>
-          <a:xfrm>
-            <a:off x="8391526" y="2358111"/>
-            <a:ext cx="3584410" cy="3826192"/>
-          </a:xfrm>
-          <a:prstGeom prst="rect">
-            <a:avLst/>
-          </a:prstGeom>
-          <a:ln>
-            <a:solidFill>
-              <a:srgbClr val="0070C0"/>
-            </a:solidFill>
-          </a:ln>
-        </p:spPr>
-      </p:pic>
-      <p:pic>
-        <p:nvPicPr>
-          <p:cNvPr id="4" name="Picture 3"/>
-          <p:cNvPicPr>
-            <a:picLocks noChangeAspect="1"/>
-          </p:cNvPicPr>
-          <p:nvPr/>
-        </p:nvPicPr>
-        <p:blipFill>
-          <a:blip r:embed="rId3"/>
-          <a:stretch>
-            <a:fillRect/>
-          </a:stretch>
-        </p:blipFill>
-        <p:spPr>
-          <a:xfrm>
-            <a:off x="298449" y="2598185"/>
-            <a:ext cx="2924175" cy="3188252"/>
-          </a:xfrm>
-          <a:prstGeom prst="rect">
-            <a:avLst/>
-          </a:prstGeom>
-          <a:ln>
-            <a:solidFill>
-              <a:srgbClr val="0070C0"/>
-            </a:solidFill>
-          </a:ln>
-        </p:spPr>
-      </p:pic>
       <p:sp>
         <p:nvSpPr>
           <p:cNvPr id="5" name="Right Arrow 4"/>
@@ -4118,7 +4154,7 @@
           <p:nvPr/>
         </p:nvPicPr>
         <p:blipFill>
-          <a:blip r:embed="rId4"/>
+          <a:blip r:embed="rId3"/>
           <a:stretch>
             <a:fillRect/>
           </a:stretch>
@@ -4215,6 +4251,63 @@
           </a:p>
         </p:txBody>
       </p:sp>
+      <p:pic>
+        <p:nvPicPr>
+          <p:cNvPr id="9" name="Picture 8"/>
+          <p:cNvPicPr>
+            <a:picLocks noChangeAspect="1"/>
+          </p:cNvPicPr>
+          <p:nvPr/>
+        </p:nvPicPr>
+        <p:blipFill>
+          <a:blip r:embed="rId4"/>
+          <a:stretch>
+            <a:fillRect/>
+          </a:stretch>
+        </p:blipFill>
+        <p:spPr>
+          <a:xfrm>
+            <a:off x="79414" y="2397108"/>
+            <a:ext cx="3218476" cy="3589088"/>
+          </a:xfrm>
+          <a:prstGeom prst="rect">
+            <a:avLst/>
+          </a:prstGeom>
+          <a:ln>
+            <a:solidFill>
+              <a:schemeClr val="accent1"/>
+            </a:solidFill>
+          </a:ln>
+        </p:spPr>
+      </p:pic>
+      <p:pic>
+        <p:nvPicPr>
+          <p:cNvPr id="11" name="Picture 10"/>
+          <p:cNvPicPr>
+            <a:picLocks noChangeAspect="1"/>
+          </p:cNvPicPr>
+          <p:nvPr/>
+        </p:nvPicPr>
+        <p:blipFill rotWithShape="1">
+          <a:blip r:embed="rId5"/>
+          <a:srcRect r="34310"/>
+          <a:stretch/>
+        </p:blipFill>
+        <p:spPr>
+          <a:xfrm>
+            <a:off x="8486556" y="2249083"/>
+            <a:ext cx="2977716" cy="3812115"/>
+          </a:xfrm>
+          <a:prstGeom prst="rect">
+            <a:avLst/>
+          </a:prstGeom>
+          <a:ln>
+            <a:solidFill>
+              <a:schemeClr val="accent1"/>
+            </a:solidFill>
+          </a:ln>
+        </p:spPr>
+      </p:pic>
     </p:spTree>
     <p:extLst>
       <p:ext uri="{BB962C8B-B14F-4D97-AF65-F5344CB8AC3E}">
@@ -4323,37 +4416,61 @@
           </a:p>
         </p:txBody>
       </p:sp>
+      <p:sp>
+        <p:nvSpPr>
+          <p:cNvPr id="3" name="Footer Placeholder 2"/>
+          <p:cNvSpPr>
+            <a:spLocks noGrp="1"/>
+          </p:cNvSpPr>
+          <p:nvPr>
+            <p:ph type="ftr" sz="quarter" idx="11"/>
+          </p:nvPr>
+        </p:nvSpPr>
+        <p:spPr/>
+        <p:txBody>
+          <a:bodyPr/>
+          <a:lstStyle/>
+          <a:p>
+            <a:r>
+              <a:rPr lang="en-US" smtClean="0"/>
+              <a:t>Michele Samorani - Data Science Analysis with Python</a:t>
+            </a:r>
+            <a:endParaRPr lang="en-US"/>
+          </a:p>
+        </p:txBody>
+      </p:sp>
       <p:pic>
         <p:nvPicPr>
-          <p:cNvPr id="10" name="Picture 9"/>
+          <p:cNvPr id="4" name="Picture 3"/>
           <p:cNvPicPr>
             <a:picLocks noChangeAspect="1"/>
           </p:cNvPicPr>
           <p:nvPr/>
         </p:nvPicPr>
-        <p:blipFill rotWithShape="1">
+        <p:blipFill>
           <a:blip r:embed="rId2"/>
-          <a:srcRect r="24364"/>
-          <a:stretch/>
+          <a:stretch>
+            <a:fillRect/>
+          </a:stretch>
         </p:blipFill>
         <p:spPr>
           <a:xfrm>
-            <a:off x="470908" y="2759075"/>
-            <a:ext cx="2799342" cy="3194050"/>
+            <a:off x="291607" y="2741750"/>
+            <a:ext cx="2757340" cy="3369395"/>
           </a:xfrm>
           <a:prstGeom prst="rect">
             <a:avLst/>
           </a:prstGeom>
           <a:ln>
             <a:solidFill>
-              <a:srgbClr val="0070C0"/>
+              <a:schemeClr val="accent1"/>
             </a:solidFill>
           </a:ln>
         </p:spPr>
       </p:pic>
       <p:pic>
         <p:nvPicPr>
-          <p:cNvPr id="14" name="Picture 13"/>
+          <p:cNvPr id="6" name="Picture 5"/>
           <p:cNvPicPr>
             <a:picLocks noChangeAspect="1"/>
           </p:cNvPicPr>
@@ -4367,22 +4484,22 @@
         </p:blipFill>
         <p:spPr>
           <a:xfrm>
-            <a:off x="8407400" y="2691534"/>
-            <a:ext cx="3076575" cy="3672753"/>
+            <a:off x="8628702" y="2741750"/>
+            <a:ext cx="2721199" cy="3369395"/>
           </a:xfrm>
           <a:prstGeom prst="rect">
             <a:avLst/>
           </a:prstGeom>
           <a:ln>
             <a:solidFill>
-              <a:srgbClr val="0070C0"/>
+              <a:schemeClr val="accent1"/>
             </a:solidFill>
           </a:ln>
         </p:spPr>
       </p:pic>
       <p:pic>
         <p:nvPicPr>
-          <p:cNvPr id="15" name="Picture 14"/>
+          <p:cNvPr id="7" name="Picture 6"/>
           <p:cNvPicPr>
             <a:picLocks noChangeAspect="1"/>
           </p:cNvPicPr>
@@ -4396,42 +4513,19 @@
         </p:blipFill>
         <p:spPr>
           <a:xfrm>
-            <a:off x="3625056" y="3084108"/>
-            <a:ext cx="4427537" cy="624291"/>
+            <a:off x="3860671" y="3135281"/>
+            <a:ext cx="3925927" cy="504857"/>
           </a:xfrm>
           <a:prstGeom prst="rect">
             <a:avLst/>
           </a:prstGeom>
-          <a:ln w="38100">
+          <a:ln w="28575">
             <a:solidFill>
               <a:srgbClr val="C00000"/>
             </a:solidFill>
           </a:ln>
         </p:spPr>
       </p:pic>
-      <p:sp>
-        <p:nvSpPr>
-          <p:cNvPr id="3" name="Footer Placeholder 2"/>
-          <p:cNvSpPr>
-            <a:spLocks noGrp="1"/>
-          </p:cNvSpPr>
-          <p:nvPr>
-            <p:ph type="ftr" sz="quarter" idx="11"/>
-          </p:nvPr>
-        </p:nvSpPr>
-        <p:spPr/>
-        <p:txBody>
-          <a:bodyPr/>
-          <a:lstStyle/>
-          <a:p>
-            <a:r>
-              <a:rPr lang="en-US" smtClean="0"/>
-              <a:t>Michele Samorani - Data Science Analysis with Python</a:t>
-            </a:r>
-            <a:endParaRPr lang="en-US"/>
-          </a:p>
-        </p:txBody>
-      </p:sp>
     </p:spTree>
     <p:extLst>
       <p:ext uri="{BB962C8B-B14F-4D97-AF65-F5344CB8AC3E}">
@@ -4497,37 +4591,6 @@
           </a:p>
         </p:txBody>
       </p:sp>
-      <p:pic>
-        <p:nvPicPr>
-          <p:cNvPr id="4" name="Content Placeholder 3"/>
-          <p:cNvPicPr>
-            <a:picLocks noGrp="1" noChangeAspect="1"/>
-          </p:cNvPicPr>
-          <p:nvPr>
-            <p:ph idx="1"/>
-          </p:nvPr>
-        </p:nvPicPr>
-        <p:blipFill>
-          <a:blip r:embed="rId2"/>
-          <a:stretch>
-            <a:fillRect/>
-          </a:stretch>
-        </p:blipFill>
-        <p:spPr>
-          <a:xfrm>
-            <a:off x="782637" y="1512094"/>
-            <a:ext cx="3001963" cy="1028380"/>
-          </a:xfrm>
-          <a:prstGeom prst="rect">
-            <a:avLst/>
-          </a:prstGeom>
-          <a:ln>
-            <a:solidFill>
-              <a:srgbClr val="0070C0"/>
-            </a:solidFill>
-          </a:ln>
-        </p:spPr>
-      </p:pic>
       <p:sp>
         <p:nvSpPr>
           <p:cNvPr id="5" name="Right Arrow 4"/>
@@ -4598,35 +4661,6 @@
           </a:p>
         </p:txBody>
       </p:sp>
-      <p:pic>
-        <p:nvPicPr>
-          <p:cNvPr id="7" name="Picture 6"/>
-          <p:cNvPicPr>
-            <a:picLocks noChangeAspect="1"/>
-          </p:cNvPicPr>
-          <p:nvPr/>
-        </p:nvPicPr>
-        <p:blipFill>
-          <a:blip r:embed="rId3"/>
-          <a:stretch>
-            <a:fillRect/>
-          </a:stretch>
-        </p:blipFill>
-        <p:spPr>
-          <a:xfrm>
-            <a:off x="96679" y="3463240"/>
-            <a:ext cx="3932369" cy="2658159"/>
-          </a:xfrm>
-          <a:prstGeom prst="rect">
-            <a:avLst/>
-          </a:prstGeom>
-          <a:ln>
-            <a:solidFill>
-              <a:srgbClr val="0070C0"/>
-            </a:solidFill>
-          </a:ln>
-        </p:spPr>
-      </p:pic>
       <p:sp>
         <p:nvSpPr>
           <p:cNvPr id="8" name="Right Arrow 7"/>
@@ -4667,9 +4701,125 @@
           </a:p>
         </p:txBody>
       </p:sp>
+      <p:sp>
+        <p:nvSpPr>
+          <p:cNvPr id="10" name="TextBox 9"/>
+          <p:cNvSpPr txBox="1"/>
+          <p:nvPr/>
+        </p:nvSpPr>
+        <p:spPr>
+          <a:xfrm>
+            <a:off x="3977024" y="4301014"/>
+            <a:ext cx="2411750" cy="369332"/>
+          </a:xfrm>
+          <a:prstGeom prst="rect">
+            <a:avLst/>
+          </a:prstGeom>
+          <a:noFill/>
+        </p:spPr>
+        <p:txBody>
+          <a:bodyPr wrap="none" rtlCol="0">
+            <a:spAutoFit/>
+          </a:bodyPr>
+          <a:lstStyle/>
+          <a:p>
+            <a:r>
+              <a:rPr lang="en-US" dirty="0" smtClean="0"/>
+              <a:t>Normalized at Feb 2012</a:t>
+            </a:r>
+            <a:endParaRPr lang="en-US" dirty="0"/>
+          </a:p>
+        </p:txBody>
+      </p:sp>
+      <p:sp>
+        <p:nvSpPr>
+          <p:cNvPr id="3" name="Footer Placeholder 2"/>
+          <p:cNvSpPr>
+            <a:spLocks noGrp="1"/>
+          </p:cNvSpPr>
+          <p:nvPr>
+            <p:ph type="ftr" sz="quarter" idx="11"/>
+          </p:nvPr>
+        </p:nvSpPr>
+        <p:spPr>
+          <a:xfrm>
+            <a:off x="2171699" y="6413499"/>
+            <a:ext cx="4114800" cy="365125"/>
+          </a:xfrm>
+        </p:spPr>
+        <p:txBody>
+          <a:bodyPr/>
+          <a:lstStyle/>
+          <a:p>
+            <a:r>
+              <a:rPr lang="en-US" dirty="0" smtClean="0"/>
+              <a:t>Michele Samorani - Data Science Analysis with Python</a:t>
+            </a:r>
+            <a:endParaRPr lang="en-US" dirty="0"/>
+          </a:p>
+        </p:txBody>
+      </p:sp>
       <p:pic>
         <p:nvPicPr>
-          <p:cNvPr id="9" name="Picture 8"/>
+          <p:cNvPr id="12" name="Picture 11"/>
+          <p:cNvPicPr>
+            <a:picLocks noChangeAspect="1"/>
+          </p:cNvPicPr>
+          <p:nvPr/>
+        </p:nvPicPr>
+        <p:blipFill>
+          <a:blip r:embed="rId2"/>
+          <a:stretch>
+            <a:fillRect/>
+          </a:stretch>
+        </p:blipFill>
+        <p:spPr>
+          <a:xfrm>
+            <a:off x="220140" y="1679796"/>
+            <a:ext cx="3014651" cy="974504"/>
+          </a:xfrm>
+          <a:prstGeom prst="rect">
+            <a:avLst/>
+          </a:prstGeom>
+          <a:ln>
+            <a:solidFill>
+              <a:srgbClr val="0070C0"/>
+            </a:solidFill>
+          </a:ln>
+        </p:spPr>
+      </p:pic>
+      <p:pic>
+        <p:nvPicPr>
+          <p:cNvPr id="13" name="Picture 12"/>
+          <p:cNvPicPr>
+            <a:picLocks noChangeAspect="1"/>
+          </p:cNvPicPr>
+          <p:nvPr/>
+        </p:nvPicPr>
+        <p:blipFill>
+          <a:blip r:embed="rId3"/>
+          <a:stretch>
+            <a:fillRect/>
+          </a:stretch>
+        </p:blipFill>
+        <p:spPr>
+          <a:xfrm>
+            <a:off x="220140" y="3298534"/>
+            <a:ext cx="3733064" cy="2363932"/>
+          </a:xfrm>
+          <a:prstGeom prst="rect">
+            <a:avLst/>
+          </a:prstGeom>
+          <a:ln>
+            <a:solidFill>
+              <a:srgbClr val="0070C0"/>
+            </a:solidFill>
+          </a:ln>
+        </p:spPr>
+      </p:pic>
+      <p:pic>
+        <p:nvPicPr>
+          <p:cNvPr id="14" name="Picture 13"/>
           <p:cNvPicPr>
             <a:picLocks noChangeAspect="1"/>
           </p:cNvPicPr>
@@ -4683,8 +4833,8 @@
         </p:blipFill>
         <p:spPr>
           <a:xfrm>
-            <a:off x="6286499" y="2980339"/>
-            <a:ext cx="5114925" cy="3615723"/>
+            <a:off x="6980109" y="2903709"/>
+            <a:ext cx="4616164" cy="3221756"/>
           </a:xfrm>
           <a:prstGeom prst="rect">
             <a:avLst/>
@@ -4696,64 +4846,6 @@
           </a:ln>
         </p:spPr>
       </p:pic>
-      <p:sp>
-        <p:nvSpPr>
-          <p:cNvPr id="10" name="TextBox 9"/>
-          <p:cNvSpPr txBox="1"/>
-          <p:nvPr/>
-        </p:nvSpPr>
-        <p:spPr>
-          <a:xfrm>
-            <a:off x="3977024" y="4301014"/>
-            <a:ext cx="2411750" cy="369332"/>
-          </a:xfrm>
-          <a:prstGeom prst="rect">
-            <a:avLst/>
-          </a:prstGeom>
-          <a:noFill/>
-        </p:spPr>
-        <p:txBody>
-          <a:bodyPr wrap="none" rtlCol="0">
-            <a:spAutoFit/>
-          </a:bodyPr>
-          <a:lstStyle/>
-          <a:p>
-            <a:r>
-              <a:rPr lang="en-US" dirty="0" smtClean="0"/>
-              <a:t>Normalized at Feb 2012</a:t>
-            </a:r>
-            <a:endParaRPr lang="en-US" dirty="0"/>
-          </a:p>
-        </p:txBody>
-      </p:sp>
-      <p:sp>
-        <p:nvSpPr>
-          <p:cNvPr id="3" name="Footer Placeholder 2"/>
-          <p:cNvSpPr>
-            <a:spLocks noGrp="1"/>
-          </p:cNvSpPr>
-          <p:nvPr>
-            <p:ph type="ftr" sz="quarter" idx="11"/>
-          </p:nvPr>
-        </p:nvSpPr>
-        <p:spPr>
-          <a:xfrm>
-            <a:off x="2171699" y="6413499"/>
-            <a:ext cx="4114800" cy="365125"/>
-          </a:xfrm>
-        </p:spPr>
-        <p:txBody>
-          <a:bodyPr/>
-          <a:lstStyle/>
-          <a:p>
-            <a:r>
-              <a:rPr lang="en-US" dirty="0" smtClean="0"/>
-              <a:t>Michele Samorani - Data Science Analysis with Python</a:t>
-            </a:r>
-            <a:endParaRPr lang="en-US" dirty="0"/>
-          </a:p>
-        </p:txBody>
-      </p:sp>
     </p:spTree>
     <p:extLst>
       <p:ext uri="{BB962C8B-B14F-4D97-AF65-F5344CB8AC3E}">
@@ -5734,7 +5826,15 @@
             </a:pPr>
             <a:r>
               <a:rPr lang="en-US" dirty="0" smtClean="0"/>
-              <a:t>Assess correlations between stock market and housing prices in the Bay Area</a:t>
+              <a:t>Assess </a:t>
+            </a:r>
+            <a:r>
+              <a:rPr lang="en-US" dirty="0" smtClean="0"/>
+              <a:t>correlation </a:t>
+            </a:r>
+            <a:r>
+              <a:rPr lang="en-US" dirty="0" smtClean="0"/>
+              <a:t>between stock market and housing prices in the Bay Area</a:t>
             </a:r>
           </a:p>
         </p:txBody>
@@ -5801,7 +5901,7 @@
       </p:grpSpPr>
       <p:pic>
         <p:nvPicPr>
-          <p:cNvPr id="13" name="Picture 12"/>
+          <p:cNvPr id="11" name="Picture 10"/>
           <p:cNvPicPr>
             <a:picLocks noChangeAspect="1"/>
           </p:cNvPicPr>
@@ -5815,8 +5915,32 @@
         </p:blipFill>
         <p:spPr>
           <a:xfrm>
-            <a:off x="666750" y="1096348"/>
-            <a:ext cx="10858499" cy="5761652"/>
+            <a:off x="400938" y="3467100"/>
+            <a:ext cx="1776589" cy="729039"/>
+          </a:xfrm>
+          <a:prstGeom prst="rect">
+            <a:avLst/>
+          </a:prstGeom>
+        </p:spPr>
+      </p:pic>
+      <p:pic>
+        <p:nvPicPr>
+          <p:cNvPr id="4" name="Picture 3"/>
+          <p:cNvPicPr>
+            <a:picLocks noChangeAspect="1"/>
+          </p:cNvPicPr>
+          <p:nvPr/>
+        </p:nvPicPr>
+        <p:blipFill>
+          <a:blip r:embed="rId3"/>
+          <a:stretch>
+            <a:fillRect/>
+          </a:stretch>
+        </p:blipFill>
+        <p:spPr>
+          <a:xfrm>
+            <a:off x="400938" y="1396410"/>
+            <a:ext cx="8340725" cy="1480729"/>
           </a:xfrm>
           <a:prstGeom prst="rect">
             <a:avLst/>
@@ -5870,9 +5994,9 @@
           <p:nvPr/>
         </p:nvCxnSpPr>
         <p:spPr>
-          <a:xfrm flipH="1" flipV="1">
-            <a:off x="2654300" y="2165350"/>
-            <a:ext cx="4210050" cy="469900"/>
+          <a:xfrm flipH="1">
+            <a:off x="3623523" y="1269151"/>
+            <a:ext cx="5910193" cy="940649"/>
           </a:xfrm>
           <a:prstGeom prst="straightConnector1">
             <a:avLst/>
@@ -5907,7 +6031,7 @@
         </p:nvSpPr>
         <p:spPr>
           <a:xfrm>
-            <a:off x="6864350" y="2362200"/>
+            <a:off x="9533716" y="996101"/>
             <a:ext cx="2381250" cy="546100"/>
           </a:xfrm>
           <a:prstGeom prst="rect">
@@ -5944,7 +6068,15 @@
                   <a:schemeClr val="tx1"/>
                 </a:solidFill>
               </a:rPr>
-              <a:t>Ticker symbol to track</a:t>
+              <a:t>Stock symbol </a:t>
+            </a:r>
+            <a:r>
+              <a:rPr lang="en-US" dirty="0" smtClean="0">
+                <a:solidFill>
+                  <a:schemeClr val="tx1"/>
+                </a:solidFill>
+              </a:rPr>
+              <a:t>to track</a:t>
             </a:r>
             <a:endParaRPr lang="en-US" dirty="0">
               <a:solidFill>
@@ -5964,8 +6096,8 @@
         </p:nvCxnSpPr>
         <p:spPr>
           <a:xfrm flipH="1" flipV="1">
-            <a:off x="5041900" y="2844800"/>
-            <a:ext cx="4203700" cy="622300"/>
+            <a:off x="6060030" y="2390775"/>
+            <a:ext cx="3185570" cy="1076325"/>
           </a:xfrm>
           <a:prstGeom prst="straightConnector1">
             <a:avLst/>
@@ -6056,9 +6188,9 @@
           <p:nvPr/>
         </p:nvCxnSpPr>
         <p:spPr>
-          <a:xfrm flipH="1">
-            <a:off x="2463800" y="5556250"/>
-            <a:ext cx="6419850" cy="939800"/>
+          <a:xfrm flipH="1" flipV="1">
+            <a:off x="2124134" y="4025900"/>
+            <a:ext cx="6759516" cy="1530350"/>
           </a:xfrm>
           <a:prstGeom prst="straightConnector1">
             <a:avLst/>
@@ -6281,7 +6413,7 @@
       </p:sp>
       <p:pic>
         <p:nvPicPr>
-          <p:cNvPr id="5" name="Picture 4"/>
+          <p:cNvPr id="6" name="Picture 5"/>
           <p:cNvPicPr>
             <a:picLocks noChangeAspect="1"/>
           </p:cNvPicPr>
@@ -6295,22 +6427,45 @@
         </p:blipFill>
         <p:spPr>
           <a:xfrm>
-            <a:off x="6305678" y="3289300"/>
-            <a:ext cx="2718515" cy="3022600"/>
+            <a:off x="2051472" y="3289300"/>
+            <a:ext cx="2669465" cy="3022600"/>
           </a:xfrm>
           <a:prstGeom prst="rect">
             <a:avLst/>
           </a:prstGeom>
           <a:ln>
             <a:solidFill>
-              <a:schemeClr val="accent1"/>
+              <a:srgbClr val="0070C0"/>
             </a:solidFill>
           </a:ln>
         </p:spPr>
       </p:pic>
+      <p:sp>
+        <p:nvSpPr>
+          <p:cNvPr id="4" name="Footer Placeholder 3"/>
+          <p:cNvSpPr>
+            <a:spLocks noGrp="1"/>
+          </p:cNvSpPr>
+          <p:nvPr>
+            <p:ph type="ftr" sz="quarter" idx="11"/>
+          </p:nvPr>
+        </p:nvSpPr>
+        <p:spPr/>
+        <p:txBody>
+          <a:bodyPr/>
+          <a:lstStyle/>
+          <a:p>
+            <a:r>
+              <a:rPr lang="en-US" smtClean="0"/>
+              <a:t>Michele Samorani - Data Science Analysis with Python</a:t>
+            </a:r>
+            <a:endParaRPr lang="en-US"/>
+          </a:p>
+        </p:txBody>
+      </p:sp>
       <p:pic>
         <p:nvPicPr>
-          <p:cNvPr id="6" name="Picture 5"/>
+          <p:cNvPr id="7" name="Picture 6"/>
           <p:cNvPicPr>
             <a:picLocks noChangeAspect="1"/>
           </p:cNvPicPr>
@@ -6324,42 +6479,19 @@
         </p:blipFill>
         <p:spPr>
           <a:xfrm>
-            <a:off x="2051472" y="3289300"/>
-            <a:ext cx="2669465" cy="3022600"/>
+            <a:off x="6534891" y="3289300"/>
+            <a:ext cx="2780913" cy="3083674"/>
           </a:xfrm>
           <a:prstGeom prst="rect">
             <a:avLst/>
           </a:prstGeom>
           <a:ln>
             <a:solidFill>
-              <a:srgbClr val="0070C0"/>
+              <a:schemeClr val="accent1"/>
             </a:solidFill>
           </a:ln>
         </p:spPr>
       </p:pic>
-      <p:sp>
-        <p:nvSpPr>
-          <p:cNvPr id="4" name="Footer Placeholder 3"/>
-          <p:cNvSpPr>
-            <a:spLocks noGrp="1"/>
-          </p:cNvSpPr>
-          <p:nvPr>
-            <p:ph type="ftr" sz="quarter" idx="11"/>
-          </p:nvPr>
-        </p:nvSpPr>
-        <p:spPr/>
-        <p:txBody>
-          <a:bodyPr/>
-          <a:lstStyle/>
-          <a:p>
-            <a:r>
-              <a:rPr lang="en-US" smtClean="0"/>
-              <a:t>Michele Samorani - Data Science Analysis with Python</a:t>
-            </a:r>
-            <a:endParaRPr lang="en-US"/>
-          </a:p>
-        </p:txBody>
-      </p:sp>
     </p:spTree>
     <p:extLst>
       <p:ext uri="{BB962C8B-B14F-4D97-AF65-F5344CB8AC3E}">
@@ -6397,37 +6529,9 @@
           <a:chExt cx="0" cy="0"/>
         </a:xfrm>
       </p:grpSpPr>
-      <p:sp>
-        <p:nvSpPr>
-          <p:cNvPr id="2" name="Title 1"/>
-          <p:cNvSpPr>
-            <a:spLocks noGrp="1"/>
-          </p:cNvSpPr>
-          <p:nvPr>
-            <p:ph type="title"/>
-          </p:nvPr>
-        </p:nvSpPr>
-        <p:spPr>
-          <a:xfrm>
-            <a:off x="838200" y="123825"/>
-            <a:ext cx="10515600" cy="923925"/>
-          </a:xfrm>
-        </p:spPr>
-        <p:txBody>
-          <a:bodyPr/>
-          <a:lstStyle/>
-          <a:p>
-            <a:r>
-              <a:rPr lang="en-US" dirty="0" smtClean="0"/>
-              <a:t>GOOGL price</a:t>
-            </a:r>
-            <a:endParaRPr lang="en-US" dirty="0"/>
-          </a:p>
-        </p:txBody>
-      </p:sp>
       <p:pic>
         <p:nvPicPr>
-          <p:cNvPr id="3" name="Picture 2"/>
+          <p:cNvPr id="5" name="Picture 4"/>
           <p:cNvPicPr>
             <a:picLocks noChangeAspect="1"/>
           </p:cNvPicPr>
@@ -6441,14 +6545,42 @@
         </p:blipFill>
         <p:spPr>
           <a:xfrm>
-            <a:off x="3073400" y="2151960"/>
-            <a:ext cx="5727700" cy="4040877"/>
+            <a:off x="2748880" y="1796995"/>
+            <a:ext cx="6398047" cy="4444152"/>
           </a:xfrm>
           <a:prstGeom prst="rect">
             <a:avLst/>
           </a:prstGeom>
         </p:spPr>
       </p:pic>
+      <p:sp>
+        <p:nvSpPr>
+          <p:cNvPr id="2" name="Title 1"/>
+          <p:cNvSpPr>
+            <a:spLocks noGrp="1"/>
+          </p:cNvSpPr>
+          <p:nvPr>
+            <p:ph type="title"/>
+          </p:nvPr>
+        </p:nvSpPr>
+        <p:spPr>
+          <a:xfrm>
+            <a:off x="838200" y="123825"/>
+            <a:ext cx="10515600" cy="923925"/>
+          </a:xfrm>
+        </p:spPr>
+        <p:txBody>
+          <a:bodyPr/>
+          <a:lstStyle/>
+          <a:p>
+            <a:r>
+              <a:rPr lang="en-US" dirty="0" smtClean="0"/>
+              <a:t>GOOGL price</a:t>
+            </a:r>
+            <a:endParaRPr lang="en-US" dirty="0"/>
+          </a:p>
+        </p:txBody>
+      </p:sp>
       <p:pic>
         <p:nvPicPr>
           <p:cNvPr id="6" name="Picture 5"/>
@@ -6855,117 +6987,112 @@
           <a:chExt cx="0" cy="0"/>
         </a:xfrm>
       </p:grpSpPr>
-      <p:sp>
-        <p:nvSpPr>
-          <p:cNvPr id="2" name="Title 1"/>
-          <p:cNvSpPr>
-            <a:spLocks noGrp="1"/>
-          </p:cNvSpPr>
-          <p:nvPr>
-            <p:ph type="title"/>
-          </p:nvPr>
-        </p:nvSpPr>
-        <p:spPr/>
-        <p:txBody>
-          <a:bodyPr/>
-          <a:lstStyle/>
-          <a:p>
-            <a:r>
-              <a:rPr lang="en-US" dirty="0" smtClean="0"/>
-              <a:t>Housing Prices</a:t>
-            </a:r>
-            <a:endParaRPr lang="en-US" dirty="0"/>
-          </a:p>
-        </p:txBody>
-      </p:sp>
-      <p:sp>
-        <p:nvSpPr>
-          <p:cNvPr id="3" name="Content Placeholder 2"/>
-          <p:cNvSpPr>
-            <a:spLocks noGrp="1"/>
-          </p:cNvSpPr>
-          <p:nvPr>
-            <p:ph idx="1"/>
-          </p:nvPr>
-        </p:nvSpPr>
-        <p:spPr/>
-        <p:txBody>
-          <a:bodyPr/>
-          <a:lstStyle/>
-          <a:p>
-            <a:r>
-              <a:rPr lang="en-US" dirty="0"/>
-              <a:t>The file </a:t>
-            </a:r>
-            <a:r>
-              <a:rPr lang="en-US" i="1" dirty="0"/>
-              <a:t>santaclara_sfh.csv</a:t>
-            </a:r>
-            <a:r>
-              <a:rPr lang="en-US" dirty="0"/>
-              <a:t> was downloaded from </a:t>
-            </a:r>
-            <a:r>
-              <a:rPr lang="en-US" u="sng" dirty="0">
-                <a:hlinkClick r:id="rId2"/>
-              </a:rPr>
-              <a:t>redfin.com</a:t>
-            </a:r>
-            <a:r>
-              <a:rPr lang="en-US" dirty="0"/>
-              <a:t>. </a:t>
-            </a:r>
-            <a:endParaRPr lang="en-US" dirty="0" smtClean="0"/>
-          </a:p>
-          <a:p>
-            <a:r>
-              <a:rPr lang="en-US" dirty="0" smtClean="0"/>
-              <a:t>For </a:t>
-            </a:r>
-            <a:r>
-              <a:rPr lang="en-US" dirty="0"/>
-              <a:t>each end of month day, this file reports the median price of a single family home (</a:t>
-            </a:r>
-            <a:r>
-              <a:rPr lang="en-US" dirty="0" err="1"/>
-              <a:t>sfh</a:t>
-            </a:r>
-            <a:r>
-              <a:rPr lang="en-US" dirty="0"/>
-              <a:t>) in zip code 95050 over the previous 3 months.</a:t>
-            </a:r>
-          </a:p>
-        </p:txBody>
-      </p:sp>
       <p:pic>
         <p:nvPicPr>
-          <p:cNvPr id="4" name="Picture 3"/>
+          <p:cNvPr id="9" name="Picture 8"/>
           <p:cNvPicPr>
             <a:picLocks noChangeAspect="1"/>
           </p:cNvPicPr>
           <p:nvPr/>
         </p:nvPicPr>
         <p:blipFill>
-          <a:blip r:embed="rId3"/>
+          <a:blip r:embed="rId2"/>
           <a:stretch>
             <a:fillRect/>
           </a:stretch>
         </p:blipFill>
         <p:spPr>
           <a:xfrm>
-            <a:off x="2419350" y="3771480"/>
-            <a:ext cx="3879850" cy="2629320"/>
+            <a:off x="2838953" y="4618465"/>
+            <a:ext cx="3370844" cy="1697769"/>
           </a:xfrm>
           <a:prstGeom prst="rect">
             <a:avLst/>
           </a:prstGeom>
-          <a:ln>
-            <a:solidFill>
-              <a:srgbClr val="0070C0"/>
-            </a:solidFill>
-          </a:ln>
         </p:spPr>
       </p:pic>
+      <p:sp>
+        <p:nvSpPr>
+          <p:cNvPr id="2" name="Title 1"/>
+          <p:cNvSpPr>
+            <a:spLocks noGrp="1"/>
+          </p:cNvSpPr>
+          <p:nvPr>
+            <p:ph type="title"/>
+          </p:nvPr>
+        </p:nvSpPr>
+        <p:spPr/>
+        <p:txBody>
+          <a:bodyPr/>
+          <a:lstStyle/>
+          <a:p>
+            <a:r>
+              <a:rPr lang="en-US" dirty="0" smtClean="0"/>
+              <a:t>Housing Prices</a:t>
+            </a:r>
+            <a:endParaRPr lang="en-US" dirty="0"/>
+          </a:p>
+        </p:txBody>
+      </p:sp>
+      <p:sp>
+        <p:nvSpPr>
+          <p:cNvPr id="3" name="Content Placeholder 2"/>
+          <p:cNvSpPr>
+            <a:spLocks noGrp="1"/>
+          </p:cNvSpPr>
+          <p:nvPr>
+            <p:ph idx="1"/>
+          </p:nvPr>
+        </p:nvSpPr>
+        <p:spPr/>
+        <p:txBody>
+          <a:bodyPr/>
+          <a:lstStyle/>
+          <a:p>
+            <a:r>
+              <a:rPr lang="en-US" dirty="0"/>
+              <a:t>The file </a:t>
+            </a:r>
+            <a:r>
+              <a:rPr lang="en-US" i="1" dirty="0"/>
+              <a:t>santaclara_sfh.csv</a:t>
+            </a:r>
+            <a:r>
+              <a:rPr lang="en-US" dirty="0"/>
+              <a:t> was downloaded from </a:t>
+            </a:r>
+            <a:r>
+              <a:rPr lang="en-US" u="sng" dirty="0">
+                <a:hlinkClick r:id="rId3"/>
+              </a:rPr>
+              <a:t>redfin.com</a:t>
+            </a:r>
+            <a:r>
+              <a:rPr lang="en-US" dirty="0"/>
+              <a:t>. </a:t>
+            </a:r>
+            <a:endParaRPr lang="en-US" dirty="0" smtClean="0"/>
+          </a:p>
+          <a:p>
+            <a:r>
+              <a:rPr lang="en-US" dirty="0" smtClean="0"/>
+              <a:t>For </a:t>
+            </a:r>
+            <a:r>
+              <a:rPr lang="en-US" dirty="0"/>
+              <a:t>each end of month day, this file reports the median price of a single family home (</a:t>
+            </a:r>
+            <a:r>
+              <a:rPr lang="en-US" dirty="0" err="1"/>
+              <a:t>sfh</a:t>
+            </a:r>
+            <a:r>
+              <a:rPr lang="en-US" dirty="0"/>
+              <a:t>) in zip code 95050 over the previous 3 months.</a:t>
+            </a:r>
+          </a:p>
+        </p:txBody>
+      </p:sp>
       <p:cxnSp>
         <p:nvCxnSpPr>
           <p:cNvPr id="6" name="Straight Arrow Connector 5"/>
